--- a/Presentación_Proyecto_Modulo1.pptx
+++ b/Presentación_Proyecto_Modulo1.pptx
@@ -113,6 +113,11 @@
       </a:defRPr>
     </a:lvl9pPr>
   </p:defaultTextStyle>
+  <p:extLst>
+    <p:ext uri="{EFAFB233-063F-42B5-8137-9DF3F51BA10A}">
+      <p15:sldGuideLst xmlns:p15="http://schemas.microsoft.com/office/powerpoint/2012/main"/>
+    </p:ext>
+  </p:extLst>
 </p:presentation>
 </file>
 
@@ -15930,7 +15935,12 @@
             <p:ph type="subTitle" idx="1"/>
           </p:nvPr>
         </p:nvSpPr>
-        <p:spPr/>
+        <p:spPr>
+          <a:xfrm>
+            <a:off x="-572483" y="4018529"/>
+            <a:ext cx="8673427" cy="1322587"/>
+          </a:xfrm>
+        </p:spPr>
         <p:txBody>
           <a:bodyPr/>
           <a:lstStyle/>
@@ -22364,8 +22374,8 @@
         </p:blipFill>
         <p:spPr>
           <a:xfrm>
-            <a:off x="5892107" y="3674439"/>
-            <a:ext cx="4625081" cy="2332171"/>
+            <a:off x="5129677" y="3208338"/>
+            <a:ext cx="5549436" cy="2798272"/>
           </a:xfrm>
           <a:prstGeom prst="rect">
             <a:avLst/>
